--- a/FutoApp/FutoAppvégleges.pptx
+++ b/FutoApp/FutoAppvégleges.pptx
@@ -7188,7 +7188,7 @@
         </p:blipFill>
         <p:spPr bwMode="auto">
           <a:xfrm>
-            <a:off x="650628" y="675497"/>
+            <a:off x="650628" y="866558"/>
             <a:ext cx="3394549" cy="6517534"/>
           </a:xfrm>
           <a:prstGeom prst="rect">
@@ -9455,7 +9455,7 @@
               <a:buNone/>
             </a:pPr>
             <a:r>
-              <a:rPr lang="en-US" sz="3300" dirty="0">
+              <a:rPr lang="hu-HU" sz="3300">
                 <a:solidFill>
                   <a:srgbClr val="1D1D1B"/>
                 </a:solidFill>
@@ -9463,7 +9463,18 @@
                 <a:ea typeface="Tomorrow Semi Bold" pitchFamily="34" charset="-122"/>
                 <a:cs typeface="Tomorrow Semi Bold" pitchFamily="34" charset="-120"/>
               </a:rPr>
-              <a:t>Intelligens számítások</a:t>
+              <a:t>Főbb s</a:t>
+            </a:r>
+            <a:r>
+              <a:rPr lang="en-US" sz="3300">
+                <a:solidFill>
+                  <a:srgbClr val="1D1D1B"/>
+                </a:solidFill>
+                <a:latin typeface="Tomorrow Semi Bold" pitchFamily="34" charset="0"/>
+                <a:ea typeface="Tomorrow Semi Bold" pitchFamily="34" charset="-122"/>
+                <a:cs typeface="Tomorrow Semi Bold" pitchFamily="34" charset="-120"/>
+              </a:rPr>
+              <a:t>zámítások</a:t>
             </a:r>
             <a:endParaRPr lang="en-US" sz="3300" dirty="0"/>
           </a:p>
@@ -10785,13 +10796,13 @@
   <p:clrMapOvr>
     <a:masterClrMapping/>
   </p:clrMapOvr>
-  <mc:AlternateContent xmlns:mc="http://schemas.openxmlformats.org/markup-compatibility/2006">
-    <mc:Choice xmlns:p14="http://schemas.microsoft.com/office/powerpoint/2010/main" Requires="p14">
+  <mc:AlternateContent xmlns:mc="http://schemas.openxmlformats.org/markup-compatibility/2006" xmlns:p14="http://schemas.microsoft.com/office/powerpoint/2010/main">
+    <mc:Choice Requires="p14">
       <p:transition spd="slow" p14:dur="800">
         <p14:flythrough/>
       </p:transition>
     </mc:Choice>
-    <mc:Fallback>
+    <mc:Fallback xmlns="">
       <p:transition spd="slow">
         <p:fade/>
       </p:transition>
